--- a/05-scaling-options-in-aks/slides/scaling-options-for-applications-and-clusters-in-AKS.pptx
+++ b/05-scaling-options-in-aks/slides/scaling-options-for-applications-and-clusters-in-AKS.pptx
@@ -211,7 +211,7 @@
           <a:p>
             <a:fld id="{39ECB77B-8C2F-499B-AE9C-A56E6D14A93C}" type="datetimeFigureOut">
               <a:rPr lang="nb-NO" smtClean="0"/>
-              <a:t>26.01.2022</a:t>
+              <a:t>27.01.2022</a:t>
             </a:fld>
             <a:endParaRPr lang="nb-NO"/>
           </a:p>
@@ -3060,7 +3060,7 @@
           <a:p>
             <a:fld id="{CE88D40F-0E01-46E3-A0A3-09B1E418DDBF}" type="datetimeFigureOut">
               <a:rPr lang="en-US" smtClean="0"/>
-              <a:t>1/26/2022</a:t>
+              <a:t>1/27/2022</a:t>
             </a:fld>
             <a:endParaRPr lang="en-US"/>
           </a:p>
@@ -3258,7 +3258,7 @@
           <a:p>
             <a:fld id="{CE88D40F-0E01-46E3-A0A3-09B1E418DDBF}" type="datetimeFigureOut">
               <a:rPr lang="en-US" smtClean="0"/>
-              <a:t>1/26/2022</a:t>
+              <a:t>1/27/2022</a:t>
             </a:fld>
             <a:endParaRPr lang="en-US"/>
           </a:p>
@@ -3466,7 +3466,7 @@
           <a:p>
             <a:fld id="{CE88D40F-0E01-46E3-A0A3-09B1E418DDBF}" type="datetimeFigureOut">
               <a:rPr lang="en-US" smtClean="0"/>
-              <a:t>1/26/2022</a:t>
+              <a:t>1/27/2022</a:t>
             </a:fld>
             <a:endParaRPr lang="en-US"/>
           </a:p>
@@ -4108,7 +4108,7 @@
           <a:p>
             <a:fld id="{CE88D40F-0E01-46E3-A0A3-09B1E418DDBF}" type="datetimeFigureOut">
               <a:rPr lang="en-US" smtClean="0"/>
-              <a:t>1/26/2022</a:t>
+              <a:t>1/27/2022</a:t>
             </a:fld>
             <a:endParaRPr lang="en-US"/>
           </a:p>
@@ -4383,7 +4383,7 @@
           <a:p>
             <a:fld id="{CE88D40F-0E01-46E3-A0A3-09B1E418DDBF}" type="datetimeFigureOut">
               <a:rPr lang="en-US" smtClean="0"/>
-              <a:t>1/26/2022</a:t>
+              <a:t>1/27/2022</a:t>
             </a:fld>
             <a:endParaRPr lang="en-US"/>
           </a:p>
@@ -4648,7 +4648,7 @@
           <a:p>
             <a:fld id="{CE88D40F-0E01-46E3-A0A3-09B1E418DDBF}" type="datetimeFigureOut">
               <a:rPr lang="en-US" smtClean="0"/>
-              <a:t>1/26/2022</a:t>
+              <a:t>1/27/2022</a:t>
             </a:fld>
             <a:endParaRPr lang="en-US"/>
           </a:p>
@@ -5060,7 +5060,7 @@
           <a:p>
             <a:fld id="{CE88D40F-0E01-46E3-A0A3-09B1E418DDBF}" type="datetimeFigureOut">
               <a:rPr lang="en-US" smtClean="0"/>
-              <a:t>1/26/2022</a:t>
+              <a:t>1/27/2022</a:t>
             </a:fld>
             <a:endParaRPr lang="en-US"/>
           </a:p>
@@ -5201,7 +5201,7 @@
           <a:p>
             <a:fld id="{CE88D40F-0E01-46E3-A0A3-09B1E418DDBF}" type="datetimeFigureOut">
               <a:rPr lang="en-US" smtClean="0"/>
-              <a:t>1/26/2022</a:t>
+              <a:t>1/27/2022</a:t>
             </a:fld>
             <a:endParaRPr lang="en-US"/>
           </a:p>
@@ -5314,7 +5314,7 @@
           <a:p>
             <a:fld id="{CE88D40F-0E01-46E3-A0A3-09B1E418DDBF}" type="datetimeFigureOut">
               <a:rPr lang="en-US" smtClean="0"/>
-              <a:t>1/26/2022</a:t>
+              <a:t>1/27/2022</a:t>
             </a:fld>
             <a:endParaRPr lang="en-US"/>
           </a:p>
@@ -5625,7 +5625,7 @@
           <a:p>
             <a:fld id="{CE88D40F-0E01-46E3-A0A3-09B1E418DDBF}" type="datetimeFigureOut">
               <a:rPr lang="en-US" smtClean="0"/>
-              <a:t>1/26/2022</a:t>
+              <a:t>1/27/2022</a:t>
             </a:fld>
             <a:endParaRPr lang="en-US"/>
           </a:p>
@@ -5913,7 +5913,7 @@
           <a:p>
             <a:fld id="{CE88D40F-0E01-46E3-A0A3-09B1E418DDBF}" type="datetimeFigureOut">
               <a:rPr lang="en-US" smtClean="0"/>
-              <a:t>1/26/2022</a:t>
+              <a:t>1/27/2022</a:t>
             </a:fld>
             <a:endParaRPr lang="en-US"/>
           </a:p>
@@ -6154,7 +6154,7 @@
           <a:p>
             <a:fld id="{CE88D40F-0E01-46E3-A0A3-09B1E418DDBF}" type="datetimeFigureOut">
               <a:rPr lang="en-US" smtClean="0"/>
-              <a:t>1/26/2022</a:t>
+              <a:t>1/27/2022</a:t>
             </a:fld>
             <a:endParaRPr lang="en-US"/>
           </a:p>
@@ -10016,7 +10016,7 @@
 </file>
 
 <file path=ppt/slides/slide13.xml><?xml version="1.0" encoding="utf-8"?>
-<p:sld xmlns:a="http://schemas.openxmlformats.org/drawingml/2006/main" xmlns:r="http://schemas.openxmlformats.org/officeDocument/2006/relationships" xmlns:p="http://schemas.openxmlformats.org/presentationml/2006/main">
+<p:sld xmlns:a="http://schemas.openxmlformats.org/drawingml/2006/main" xmlns:r="http://schemas.openxmlformats.org/officeDocument/2006/relationships" xmlns:p="http://schemas.openxmlformats.org/presentationml/2006/main" show="0">
   <p:cSld>
     <p:spTree>
       <p:nvGrpSpPr>
@@ -16807,7 +16807,7 @@
               <a:t>K8s 101: </a:t>
             </a:r>
             <a:r>
-              <a:rPr lang="en-US">
+              <a:rPr lang="en-US" dirty="0">
                 <a:solidFill>
                   <a:prstClr val="black"/>
                 </a:solidFill>
@@ -16816,7 +16816,7 @@
               <a:t>Cluster and </a:t>
             </a:r>
             <a:r>
-              <a:rPr kumimoji="0" lang="en-US" sz="4400" b="0" i="0" u="none" strike="noStrike" kern="1200" cap="none" spc="0" normalizeH="0" baseline="0" noProof="0">
+              <a:rPr kumimoji="0" lang="en-US" sz="4400" b="0" i="0" u="none" strike="noStrike" kern="1200" cap="none" spc="0" normalizeH="0" baseline="0" noProof="0" dirty="0">
                 <a:ln>
                   <a:noFill/>
                 </a:ln>
@@ -17281,6 +17281,1408 @@
           </a:p>
         </p:txBody>
       </p:sp>
+      <p:sp>
+        <p:nvSpPr>
+          <p:cNvPr id="10" name="Freeform: Shape 9">
+            <a:extLst>
+              <a:ext uri="{FF2B5EF4-FFF2-40B4-BE49-F238E27FC236}">
+                <a16:creationId xmlns:a16="http://schemas.microsoft.com/office/drawing/2014/main" id="{A816A7CC-34FD-4A0F-BF2B-335B413C9C27}"/>
+              </a:ext>
+            </a:extLst>
+          </p:cNvPr>
+          <p:cNvSpPr/>
+          <p:nvPr/>
+        </p:nvSpPr>
+        <p:spPr>
+          <a:xfrm>
+            <a:off x="4540420" y="1229710"/>
+            <a:ext cx="3668249" cy="3342290"/>
+          </a:xfrm>
+          <a:custGeom>
+            <a:avLst/>
+            <a:gdLst>
+              <a:gd name="connsiteX0" fmla="*/ 1429456 w 3668249"/>
+              <a:gd name="connsiteY0" fmla="*/ 641131 h 3342290"/>
+              <a:gd name="connsiteX1" fmla="*/ 1650173 w 3668249"/>
+              <a:gd name="connsiteY1" fmla="*/ 430924 h 3342290"/>
+              <a:gd name="connsiteX2" fmla="*/ 1755277 w 3668249"/>
+              <a:gd name="connsiteY2" fmla="*/ 315311 h 3342290"/>
+              <a:gd name="connsiteX3" fmla="*/ 1986504 w 3668249"/>
+              <a:gd name="connsiteY3" fmla="*/ 189187 h 3342290"/>
+              <a:gd name="connsiteX4" fmla="*/ 2522532 w 3668249"/>
+              <a:gd name="connsiteY4" fmla="*/ 10511 h 3342290"/>
+              <a:gd name="connsiteX5" fmla="*/ 2711718 w 3668249"/>
+              <a:gd name="connsiteY5" fmla="*/ 0 h 3342290"/>
+              <a:gd name="connsiteX6" fmla="*/ 2869373 w 3668249"/>
+              <a:gd name="connsiteY6" fmla="*/ 21021 h 3342290"/>
+              <a:gd name="connsiteX7" fmla="*/ 3563056 w 3668249"/>
+              <a:gd name="connsiteY7" fmla="*/ 346842 h 3342290"/>
+              <a:gd name="connsiteX8" fmla="*/ 3594587 w 3668249"/>
+              <a:gd name="connsiteY8" fmla="*/ 357352 h 3342290"/>
+              <a:gd name="connsiteX9" fmla="*/ 3636628 w 3668249"/>
+              <a:gd name="connsiteY9" fmla="*/ 483476 h 3342290"/>
+              <a:gd name="connsiteX10" fmla="*/ 3636628 w 3668249"/>
+              <a:gd name="connsiteY10" fmla="*/ 1114097 h 3342290"/>
+              <a:gd name="connsiteX11" fmla="*/ 3563056 w 3668249"/>
+              <a:gd name="connsiteY11" fmla="*/ 1261242 h 3342290"/>
+              <a:gd name="connsiteX12" fmla="*/ 3373870 w 3668249"/>
+              <a:gd name="connsiteY12" fmla="*/ 1566042 h 3342290"/>
+              <a:gd name="connsiteX13" fmla="*/ 3310808 w 3668249"/>
+              <a:gd name="connsiteY13" fmla="*/ 1681656 h 3342290"/>
+              <a:gd name="connsiteX14" fmla="*/ 3247746 w 3668249"/>
+              <a:gd name="connsiteY14" fmla="*/ 1765738 h 3342290"/>
+              <a:gd name="connsiteX15" fmla="*/ 3153152 w 3668249"/>
+              <a:gd name="connsiteY15" fmla="*/ 2039007 h 3342290"/>
+              <a:gd name="connsiteX16" fmla="*/ 3121621 w 3668249"/>
+              <a:gd name="connsiteY16" fmla="*/ 2175642 h 3342290"/>
+              <a:gd name="connsiteX17" fmla="*/ 3100601 w 3668249"/>
+              <a:gd name="connsiteY17" fmla="*/ 2301766 h 3342290"/>
+              <a:gd name="connsiteX18" fmla="*/ 2963966 w 3668249"/>
+              <a:gd name="connsiteY18" fmla="*/ 2575035 h 3342290"/>
+              <a:gd name="connsiteX19" fmla="*/ 2869373 w 3668249"/>
+              <a:gd name="connsiteY19" fmla="*/ 2701159 h 3342290"/>
+              <a:gd name="connsiteX20" fmla="*/ 2575083 w 3668249"/>
+              <a:gd name="connsiteY20" fmla="*/ 2995449 h 3342290"/>
+              <a:gd name="connsiteX21" fmla="*/ 2165180 w 3668249"/>
+              <a:gd name="connsiteY21" fmla="*/ 3268718 h 3342290"/>
+              <a:gd name="connsiteX22" fmla="*/ 2039056 w 3668249"/>
+              <a:gd name="connsiteY22" fmla="*/ 3321269 h 3342290"/>
+              <a:gd name="connsiteX23" fmla="*/ 1839359 w 3668249"/>
+              <a:gd name="connsiteY23" fmla="*/ 3342290 h 3342290"/>
+              <a:gd name="connsiteX24" fmla="*/ 1545070 w 3668249"/>
+              <a:gd name="connsiteY24" fmla="*/ 3310759 h 3342290"/>
+              <a:gd name="connsiteX25" fmla="*/ 1345373 w 3668249"/>
+              <a:gd name="connsiteY25" fmla="*/ 3216166 h 3342290"/>
+              <a:gd name="connsiteX26" fmla="*/ 1250780 w 3668249"/>
+              <a:gd name="connsiteY26" fmla="*/ 3174124 h 3342290"/>
+              <a:gd name="connsiteX27" fmla="*/ 1093125 w 3668249"/>
+              <a:gd name="connsiteY27" fmla="*/ 3100552 h 3342290"/>
+              <a:gd name="connsiteX28" fmla="*/ 977511 w 3668249"/>
+              <a:gd name="connsiteY28" fmla="*/ 3048000 h 3342290"/>
+              <a:gd name="connsiteX29" fmla="*/ 945980 w 3668249"/>
+              <a:gd name="connsiteY29" fmla="*/ 3026980 h 3342290"/>
+              <a:gd name="connsiteX30" fmla="*/ 851387 w 3668249"/>
+              <a:gd name="connsiteY30" fmla="*/ 2984938 h 3342290"/>
+              <a:gd name="connsiteX31" fmla="*/ 399442 w 3668249"/>
+              <a:gd name="connsiteY31" fmla="*/ 2711669 h 3342290"/>
+              <a:gd name="connsiteX32" fmla="*/ 262808 w 3668249"/>
+              <a:gd name="connsiteY32" fmla="*/ 2596056 h 3342290"/>
+              <a:gd name="connsiteX33" fmla="*/ 73621 w 3668249"/>
+              <a:gd name="connsiteY33" fmla="*/ 2301766 h 3342290"/>
+              <a:gd name="connsiteX34" fmla="*/ 21070 w 3668249"/>
+              <a:gd name="connsiteY34" fmla="*/ 2175642 h 3342290"/>
+              <a:gd name="connsiteX35" fmla="*/ 49 w 3668249"/>
+              <a:gd name="connsiteY35" fmla="*/ 1996966 h 3342290"/>
+              <a:gd name="connsiteX36" fmla="*/ 31580 w 3668249"/>
+              <a:gd name="connsiteY36" fmla="*/ 1555531 h 3342290"/>
+              <a:gd name="connsiteX37" fmla="*/ 157704 w 3668249"/>
+              <a:gd name="connsiteY37" fmla="*/ 1366345 h 3342290"/>
+              <a:gd name="connsiteX38" fmla="*/ 767304 w 3668249"/>
+              <a:gd name="connsiteY38" fmla="*/ 1051035 h 3342290"/>
+              <a:gd name="connsiteX39" fmla="*/ 809346 w 3668249"/>
+              <a:gd name="connsiteY39" fmla="*/ 1030014 h 3342290"/>
+              <a:gd name="connsiteX40" fmla="*/ 988021 w 3668249"/>
+              <a:gd name="connsiteY40" fmla="*/ 966952 h 3342290"/>
+              <a:gd name="connsiteX41" fmla="*/ 1082614 w 3668249"/>
+              <a:gd name="connsiteY41" fmla="*/ 903890 h 3342290"/>
+              <a:gd name="connsiteX42" fmla="*/ 1124656 w 3668249"/>
+              <a:gd name="connsiteY42" fmla="*/ 882869 h 3342290"/>
+              <a:gd name="connsiteX43" fmla="*/ 1177208 w 3668249"/>
+              <a:gd name="connsiteY43" fmla="*/ 830318 h 3342290"/>
+              <a:gd name="connsiteX44" fmla="*/ 1219249 w 3668249"/>
+              <a:gd name="connsiteY44" fmla="*/ 798787 h 3342290"/>
+              <a:gd name="connsiteX45" fmla="*/ 1303332 w 3668249"/>
+              <a:gd name="connsiteY45" fmla="*/ 725214 h 3342290"/>
+              <a:gd name="connsiteX46" fmla="*/ 1387414 w 3668249"/>
+              <a:gd name="connsiteY46" fmla="*/ 704193 h 3342290"/>
+              <a:gd name="connsiteX47" fmla="*/ 1429456 w 3668249"/>
+              <a:gd name="connsiteY47" fmla="*/ 641131 h 3342290"/>
+            </a:gdLst>
+            <a:ahLst/>
+            <a:cxnLst>
+              <a:cxn ang="0">
+                <a:pos x="connsiteX0" y="connsiteY0"/>
+              </a:cxn>
+              <a:cxn ang="0">
+                <a:pos x="connsiteX1" y="connsiteY1"/>
+              </a:cxn>
+              <a:cxn ang="0">
+                <a:pos x="connsiteX2" y="connsiteY2"/>
+              </a:cxn>
+              <a:cxn ang="0">
+                <a:pos x="connsiteX3" y="connsiteY3"/>
+              </a:cxn>
+              <a:cxn ang="0">
+                <a:pos x="connsiteX4" y="connsiteY4"/>
+              </a:cxn>
+              <a:cxn ang="0">
+                <a:pos x="connsiteX5" y="connsiteY5"/>
+              </a:cxn>
+              <a:cxn ang="0">
+                <a:pos x="connsiteX6" y="connsiteY6"/>
+              </a:cxn>
+              <a:cxn ang="0">
+                <a:pos x="connsiteX7" y="connsiteY7"/>
+              </a:cxn>
+              <a:cxn ang="0">
+                <a:pos x="connsiteX8" y="connsiteY8"/>
+              </a:cxn>
+              <a:cxn ang="0">
+                <a:pos x="connsiteX9" y="connsiteY9"/>
+              </a:cxn>
+              <a:cxn ang="0">
+                <a:pos x="connsiteX10" y="connsiteY10"/>
+              </a:cxn>
+              <a:cxn ang="0">
+                <a:pos x="connsiteX11" y="connsiteY11"/>
+              </a:cxn>
+              <a:cxn ang="0">
+                <a:pos x="connsiteX12" y="connsiteY12"/>
+              </a:cxn>
+              <a:cxn ang="0">
+                <a:pos x="connsiteX13" y="connsiteY13"/>
+              </a:cxn>
+              <a:cxn ang="0">
+                <a:pos x="connsiteX14" y="connsiteY14"/>
+              </a:cxn>
+              <a:cxn ang="0">
+                <a:pos x="connsiteX15" y="connsiteY15"/>
+              </a:cxn>
+              <a:cxn ang="0">
+                <a:pos x="connsiteX16" y="connsiteY16"/>
+              </a:cxn>
+              <a:cxn ang="0">
+                <a:pos x="connsiteX17" y="connsiteY17"/>
+              </a:cxn>
+              <a:cxn ang="0">
+                <a:pos x="connsiteX18" y="connsiteY18"/>
+              </a:cxn>
+              <a:cxn ang="0">
+                <a:pos x="connsiteX19" y="connsiteY19"/>
+              </a:cxn>
+              <a:cxn ang="0">
+                <a:pos x="connsiteX20" y="connsiteY20"/>
+              </a:cxn>
+              <a:cxn ang="0">
+                <a:pos x="connsiteX21" y="connsiteY21"/>
+              </a:cxn>
+              <a:cxn ang="0">
+                <a:pos x="connsiteX22" y="connsiteY22"/>
+              </a:cxn>
+              <a:cxn ang="0">
+                <a:pos x="connsiteX23" y="connsiteY23"/>
+              </a:cxn>
+              <a:cxn ang="0">
+                <a:pos x="connsiteX24" y="connsiteY24"/>
+              </a:cxn>
+              <a:cxn ang="0">
+                <a:pos x="connsiteX25" y="connsiteY25"/>
+              </a:cxn>
+              <a:cxn ang="0">
+                <a:pos x="connsiteX26" y="connsiteY26"/>
+              </a:cxn>
+              <a:cxn ang="0">
+                <a:pos x="connsiteX27" y="connsiteY27"/>
+              </a:cxn>
+              <a:cxn ang="0">
+                <a:pos x="connsiteX28" y="connsiteY28"/>
+              </a:cxn>
+              <a:cxn ang="0">
+                <a:pos x="connsiteX29" y="connsiteY29"/>
+              </a:cxn>
+              <a:cxn ang="0">
+                <a:pos x="connsiteX30" y="connsiteY30"/>
+              </a:cxn>
+              <a:cxn ang="0">
+                <a:pos x="connsiteX31" y="connsiteY31"/>
+              </a:cxn>
+              <a:cxn ang="0">
+                <a:pos x="connsiteX32" y="connsiteY32"/>
+              </a:cxn>
+              <a:cxn ang="0">
+                <a:pos x="connsiteX33" y="connsiteY33"/>
+              </a:cxn>
+              <a:cxn ang="0">
+                <a:pos x="connsiteX34" y="connsiteY34"/>
+              </a:cxn>
+              <a:cxn ang="0">
+                <a:pos x="connsiteX35" y="connsiteY35"/>
+              </a:cxn>
+              <a:cxn ang="0">
+                <a:pos x="connsiteX36" y="connsiteY36"/>
+              </a:cxn>
+              <a:cxn ang="0">
+                <a:pos x="connsiteX37" y="connsiteY37"/>
+              </a:cxn>
+              <a:cxn ang="0">
+                <a:pos x="connsiteX38" y="connsiteY38"/>
+              </a:cxn>
+              <a:cxn ang="0">
+                <a:pos x="connsiteX39" y="connsiteY39"/>
+              </a:cxn>
+              <a:cxn ang="0">
+                <a:pos x="connsiteX40" y="connsiteY40"/>
+              </a:cxn>
+              <a:cxn ang="0">
+                <a:pos x="connsiteX41" y="connsiteY41"/>
+              </a:cxn>
+              <a:cxn ang="0">
+                <a:pos x="connsiteX42" y="connsiteY42"/>
+              </a:cxn>
+              <a:cxn ang="0">
+                <a:pos x="connsiteX43" y="connsiteY43"/>
+              </a:cxn>
+              <a:cxn ang="0">
+                <a:pos x="connsiteX44" y="connsiteY44"/>
+              </a:cxn>
+              <a:cxn ang="0">
+                <a:pos x="connsiteX45" y="connsiteY45"/>
+              </a:cxn>
+              <a:cxn ang="0">
+                <a:pos x="connsiteX46" y="connsiteY46"/>
+              </a:cxn>
+              <a:cxn ang="0">
+                <a:pos x="connsiteX47" y="connsiteY47"/>
+              </a:cxn>
+            </a:cxnLst>
+            <a:rect l="l" t="t" r="r" b="b"/>
+            <a:pathLst>
+              <a:path w="3668249" h="3342290">
+                <a:moveTo>
+                  <a:pt x="1429456" y="641131"/>
+                </a:moveTo>
+                <a:cubicBezTo>
+                  <a:pt x="1536621" y="507176"/>
+                  <a:pt x="1399777" y="672045"/>
+                  <a:pt x="1650173" y="430924"/>
+                </a:cubicBezTo>
+                <a:cubicBezTo>
+                  <a:pt x="1687689" y="394797"/>
+                  <a:pt x="1712985" y="345708"/>
+                  <a:pt x="1755277" y="315311"/>
+                </a:cubicBezTo>
+                <a:cubicBezTo>
+                  <a:pt x="1826569" y="264070"/>
+                  <a:pt x="1906526" y="225404"/>
+                  <a:pt x="1986504" y="189187"/>
+                </a:cubicBezTo>
+                <a:cubicBezTo>
+                  <a:pt x="2129317" y="124517"/>
+                  <a:pt x="2354610" y="37025"/>
+                  <a:pt x="2522532" y="10511"/>
+                </a:cubicBezTo>
+                <a:cubicBezTo>
+                  <a:pt x="2584918" y="661"/>
+                  <a:pt x="2648656" y="3504"/>
+                  <a:pt x="2711718" y="0"/>
+                </a:cubicBezTo>
+                <a:cubicBezTo>
+                  <a:pt x="2764270" y="7007"/>
+                  <a:pt x="2820275" y="1018"/>
+                  <a:pt x="2869373" y="21021"/>
+                </a:cubicBezTo>
+                <a:cubicBezTo>
+                  <a:pt x="3105956" y="117407"/>
+                  <a:pt x="3320701" y="266060"/>
+                  <a:pt x="3563056" y="346842"/>
+                </a:cubicBezTo>
+                <a:lnTo>
+                  <a:pt x="3594587" y="357352"/>
+                </a:lnTo>
+                <a:cubicBezTo>
+                  <a:pt x="3608601" y="399393"/>
+                  <a:pt x="3629508" y="439736"/>
+                  <a:pt x="3636628" y="483476"/>
+                </a:cubicBezTo>
+                <a:cubicBezTo>
+                  <a:pt x="3671124" y="695384"/>
+                  <a:pt x="3685821" y="902567"/>
+                  <a:pt x="3636628" y="1114097"/>
+                </a:cubicBezTo>
+                <a:cubicBezTo>
+                  <a:pt x="3624207" y="1167509"/>
+                  <a:pt x="3588862" y="1212856"/>
+                  <a:pt x="3563056" y="1261242"/>
+                </a:cubicBezTo>
+                <a:cubicBezTo>
+                  <a:pt x="3398186" y="1570374"/>
+                  <a:pt x="3542210" y="1296697"/>
+                  <a:pt x="3373870" y="1566042"/>
+                </a:cubicBezTo>
+                <a:cubicBezTo>
+                  <a:pt x="3350604" y="1603268"/>
+                  <a:pt x="3334249" y="1644541"/>
+                  <a:pt x="3310808" y="1681656"/>
+                </a:cubicBezTo>
+                <a:cubicBezTo>
+                  <a:pt x="3292100" y="1711277"/>
+                  <a:pt x="3265299" y="1735418"/>
+                  <a:pt x="3247746" y="1765738"/>
+                </a:cubicBezTo>
+                <a:cubicBezTo>
+                  <a:pt x="3192834" y="1860585"/>
+                  <a:pt x="3180218" y="1930744"/>
+                  <a:pt x="3153152" y="2039007"/>
+                </a:cubicBezTo>
+                <a:cubicBezTo>
+                  <a:pt x="3141815" y="2084353"/>
+                  <a:pt x="3130788" y="2129808"/>
+                  <a:pt x="3121621" y="2175642"/>
+                </a:cubicBezTo>
+                <a:cubicBezTo>
+                  <a:pt x="3113262" y="2217436"/>
+                  <a:pt x="3113643" y="2261189"/>
+                  <a:pt x="3100601" y="2301766"/>
+                </a:cubicBezTo>
+                <a:cubicBezTo>
+                  <a:pt x="3073021" y="2387570"/>
+                  <a:pt x="3016859" y="2497458"/>
+                  <a:pt x="2963966" y="2575035"/>
+                </a:cubicBezTo>
+                <a:cubicBezTo>
+                  <a:pt x="2934362" y="2618455"/>
+                  <a:pt x="2905058" y="2662581"/>
+                  <a:pt x="2869373" y="2701159"/>
+                </a:cubicBezTo>
+                <a:cubicBezTo>
+                  <a:pt x="2775170" y="2803000"/>
+                  <a:pt x="2681658" y="2906636"/>
+                  <a:pt x="2575083" y="2995449"/>
+                </a:cubicBezTo>
+                <a:cubicBezTo>
+                  <a:pt x="2354519" y="3179252"/>
+                  <a:pt x="2425805" y="3142355"/>
+                  <a:pt x="2165180" y="3268718"/>
+                </a:cubicBezTo>
+                <a:cubicBezTo>
+                  <a:pt x="2124198" y="3288588"/>
+                  <a:pt x="2083482" y="3311237"/>
+                  <a:pt x="2039056" y="3321269"/>
+                </a:cubicBezTo>
+                <a:cubicBezTo>
+                  <a:pt x="1973766" y="3336012"/>
+                  <a:pt x="1905925" y="3335283"/>
+                  <a:pt x="1839359" y="3342290"/>
+                </a:cubicBezTo>
+                <a:cubicBezTo>
+                  <a:pt x="1741263" y="3331780"/>
+                  <a:pt x="1640661" y="3335165"/>
+                  <a:pt x="1545070" y="3310759"/>
+                </a:cubicBezTo>
+                <a:cubicBezTo>
+                  <a:pt x="1473703" y="3292538"/>
+                  <a:pt x="1412180" y="3247183"/>
+                  <a:pt x="1345373" y="3216166"/>
+                </a:cubicBezTo>
+                <a:cubicBezTo>
+                  <a:pt x="1314077" y="3201636"/>
+                  <a:pt x="1282147" y="3188501"/>
+                  <a:pt x="1250780" y="3174124"/>
+                </a:cubicBezTo>
+                <a:lnTo>
+                  <a:pt x="1093125" y="3100552"/>
+                </a:lnTo>
+                <a:cubicBezTo>
+                  <a:pt x="1054689" y="3082812"/>
+                  <a:pt x="1012734" y="3071481"/>
+                  <a:pt x="977511" y="3048000"/>
+                </a:cubicBezTo>
+                <a:cubicBezTo>
+                  <a:pt x="967001" y="3040993"/>
+                  <a:pt x="957278" y="3032629"/>
+                  <a:pt x="945980" y="3026980"/>
+                </a:cubicBezTo>
+                <a:cubicBezTo>
+                  <a:pt x="915118" y="3011549"/>
+                  <a:pt x="882249" y="3000369"/>
+                  <a:pt x="851387" y="2984938"/>
+                </a:cubicBezTo>
+                <a:cubicBezTo>
+                  <a:pt x="713287" y="2915888"/>
+                  <a:pt x="508251" y="2803738"/>
+                  <a:pt x="399442" y="2711669"/>
+                </a:cubicBezTo>
+                <a:cubicBezTo>
+                  <a:pt x="353897" y="2673131"/>
+                  <a:pt x="304088" y="2639131"/>
+                  <a:pt x="262808" y="2596056"/>
+                </a:cubicBezTo>
+                <a:cubicBezTo>
+                  <a:pt x="177442" y="2506978"/>
+                  <a:pt x="126647" y="2411898"/>
+                  <a:pt x="73621" y="2301766"/>
+                </a:cubicBezTo>
+                <a:cubicBezTo>
+                  <a:pt x="53863" y="2260730"/>
+                  <a:pt x="38587" y="2217683"/>
+                  <a:pt x="21070" y="2175642"/>
+                </a:cubicBezTo>
+                <a:cubicBezTo>
+                  <a:pt x="14063" y="2116083"/>
+                  <a:pt x="-967" y="2056927"/>
+                  <a:pt x="49" y="1996966"/>
+                </a:cubicBezTo>
+                <a:cubicBezTo>
+                  <a:pt x="2549" y="1849467"/>
+                  <a:pt x="9148" y="1701335"/>
+                  <a:pt x="31580" y="1555531"/>
+                </a:cubicBezTo>
+                <a:cubicBezTo>
+                  <a:pt x="40343" y="1498570"/>
+                  <a:pt x="115808" y="1402462"/>
+                  <a:pt x="157704" y="1366345"/>
+                </a:cubicBezTo>
+                <a:cubicBezTo>
+                  <a:pt x="542759" y="1034401"/>
+                  <a:pt x="231623" y="1318875"/>
+                  <a:pt x="767304" y="1051035"/>
+                </a:cubicBezTo>
+                <a:cubicBezTo>
+                  <a:pt x="781318" y="1044028"/>
+                  <a:pt x="794704" y="1035592"/>
+                  <a:pt x="809346" y="1030014"/>
+                </a:cubicBezTo>
+                <a:cubicBezTo>
+                  <a:pt x="868367" y="1007530"/>
+                  <a:pt x="931530" y="995198"/>
+                  <a:pt x="988021" y="966952"/>
+                </a:cubicBezTo>
+                <a:cubicBezTo>
+                  <a:pt x="1086328" y="917798"/>
+                  <a:pt x="965998" y="981634"/>
+                  <a:pt x="1082614" y="903890"/>
+                </a:cubicBezTo>
+                <a:cubicBezTo>
+                  <a:pt x="1095651" y="895199"/>
+                  <a:pt x="1112288" y="892488"/>
+                  <a:pt x="1124656" y="882869"/>
+                </a:cubicBezTo>
+                <a:cubicBezTo>
+                  <a:pt x="1144211" y="867660"/>
+                  <a:pt x="1158692" y="846776"/>
+                  <a:pt x="1177208" y="830318"/>
+                </a:cubicBezTo>
+                <a:cubicBezTo>
+                  <a:pt x="1190301" y="818680"/>
+                  <a:pt x="1205792" y="810001"/>
+                  <a:pt x="1219249" y="798787"/>
+                </a:cubicBezTo>
+                <a:cubicBezTo>
+                  <a:pt x="1247859" y="774945"/>
+                  <a:pt x="1270873" y="743473"/>
+                  <a:pt x="1303332" y="725214"/>
+                </a:cubicBezTo>
+                <a:cubicBezTo>
+                  <a:pt x="1328512" y="711050"/>
+                  <a:pt x="1387414" y="704193"/>
+                  <a:pt x="1387414" y="704193"/>
+                </a:cubicBezTo>
+                <a:lnTo>
+                  <a:pt x="1429456" y="641131"/>
+                </a:lnTo>
+                <a:close/>
+              </a:path>
+            </a:pathLst>
+          </a:custGeom>
+          <a:noFill/>
+          <a:ln w="28575">
+            <a:solidFill>
+              <a:srgbClr val="C00000"/>
+            </a:solidFill>
+          </a:ln>
+        </p:spPr>
+        <p:style>
+          <a:lnRef idx="2">
+            <a:schemeClr val="accent1">
+              <a:shade val="50000"/>
+            </a:schemeClr>
+          </a:lnRef>
+          <a:fillRef idx="1">
+            <a:schemeClr val="accent1"/>
+          </a:fillRef>
+          <a:effectRef idx="0">
+            <a:schemeClr val="accent1"/>
+          </a:effectRef>
+          <a:fontRef idx="minor">
+            <a:schemeClr val="lt1"/>
+          </a:fontRef>
+        </p:style>
+        <p:txBody>
+          <a:bodyPr rtlCol="0" anchor="ctr"/>
+          <a:lstStyle/>
+          <a:p>
+            <a:pPr algn="ctr"/>
+            <a:endParaRPr lang="en-US"/>
+          </a:p>
+        </p:txBody>
+      </p:sp>
+      <p:sp>
+        <p:nvSpPr>
+          <p:cNvPr id="15" name="Freeform: Shape 14">
+            <a:extLst>
+              <a:ext uri="{FF2B5EF4-FFF2-40B4-BE49-F238E27FC236}">
+                <a16:creationId xmlns:a16="http://schemas.microsoft.com/office/drawing/2014/main" id="{0D1F7C02-08A1-4D7D-905C-630138DAAF80}"/>
+              </a:ext>
+            </a:extLst>
+          </p:cNvPr>
+          <p:cNvSpPr/>
+          <p:nvPr/>
+        </p:nvSpPr>
+        <p:spPr>
+          <a:xfrm>
+            <a:off x="7409794" y="2516752"/>
+            <a:ext cx="4708634" cy="3539819"/>
+          </a:xfrm>
+          <a:custGeom>
+            <a:avLst/>
+            <a:gdLst>
+              <a:gd name="connsiteX0" fmla="*/ 63062 w 4677103"/>
+              <a:gd name="connsiteY0" fmla="*/ 1481959 h 3384332"/>
+              <a:gd name="connsiteX1" fmla="*/ 94593 w 4677103"/>
+              <a:gd name="connsiteY1" fmla="*/ 1429407 h 3384332"/>
+              <a:gd name="connsiteX2" fmla="*/ 147145 w 4677103"/>
+              <a:gd name="connsiteY2" fmla="*/ 1303283 h 3384332"/>
+              <a:gd name="connsiteX3" fmla="*/ 199696 w 4677103"/>
+              <a:gd name="connsiteY3" fmla="*/ 1219200 h 3384332"/>
+              <a:gd name="connsiteX4" fmla="*/ 273269 w 4677103"/>
+              <a:gd name="connsiteY4" fmla="*/ 1061545 h 3384332"/>
+              <a:gd name="connsiteX5" fmla="*/ 346841 w 4677103"/>
+              <a:gd name="connsiteY5" fmla="*/ 861849 h 3384332"/>
+              <a:gd name="connsiteX6" fmla="*/ 378372 w 4677103"/>
+              <a:gd name="connsiteY6" fmla="*/ 725214 h 3384332"/>
+              <a:gd name="connsiteX7" fmla="*/ 409903 w 4677103"/>
+              <a:gd name="connsiteY7" fmla="*/ 578069 h 3384332"/>
+              <a:gd name="connsiteX8" fmla="*/ 557048 w 4677103"/>
+              <a:gd name="connsiteY8" fmla="*/ 399394 h 3384332"/>
+              <a:gd name="connsiteX9" fmla="*/ 683172 w 4677103"/>
+              <a:gd name="connsiteY9" fmla="*/ 304800 h 3384332"/>
+              <a:gd name="connsiteX10" fmla="*/ 830317 w 4677103"/>
+              <a:gd name="connsiteY10" fmla="*/ 220718 h 3384332"/>
+              <a:gd name="connsiteX11" fmla="*/ 977462 w 4677103"/>
+              <a:gd name="connsiteY11" fmla="*/ 157656 h 3384332"/>
+              <a:gd name="connsiteX12" fmla="*/ 1250731 w 4677103"/>
+              <a:gd name="connsiteY12" fmla="*/ 63063 h 3384332"/>
+              <a:gd name="connsiteX13" fmla="*/ 1397876 w 4677103"/>
+              <a:gd name="connsiteY13" fmla="*/ 42042 h 3384332"/>
+              <a:gd name="connsiteX14" fmla="*/ 1912883 w 4677103"/>
+              <a:gd name="connsiteY14" fmla="*/ 0 h 3384332"/>
+              <a:gd name="connsiteX15" fmla="*/ 2564524 w 4677103"/>
+              <a:gd name="connsiteY15" fmla="*/ 10511 h 3384332"/>
+              <a:gd name="connsiteX16" fmla="*/ 3111062 w 4677103"/>
+              <a:gd name="connsiteY16" fmla="*/ 42042 h 3384332"/>
+              <a:gd name="connsiteX17" fmla="*/ 3594538 w 4677103"/>
+              <a:gd name="connsiteY17" fmla="*/ 84083 h 3384332"/>
+              <a:gd name="connsiteX18" fmla="*/ 3699641 w 4677103"/>
+              <a:gd name="connsiteY18" fmla="*/ 136635 h 3384332"/>
+              <a:gd name="connsiteX19" fmla="*/ 3815255 w 4677103"/>
+              <a:gd name="connsiteY19" fmla="*/ 189187 h 3384332"/>
+              <a:gd name="connsiteX20" fmla="*/ 3846786 w 4677103"/>
+              <a:gd name="connsiteY20" fmla="*/ 210207 h 3384332"/>
+              <a:gd name="connsiteX21" fmla="*/ 3878317 w 4677103"/>
+              <a:gd name="connsiteY21" fmla="*/ 220718 h 3384332"/>
+              <a:gd name="connsiteX22" fmla="*/ 4035972 w 4677103"/>
+              <a:gd name="connsiteY22" fmla="*/ 294290 h 3384332"/>
+              <a:gd name="connsiteX23" fmla="*/ 4162096 w 4677103"/>
+              <a:gd name="connsiteY23" fmla="*/ 336332 h 3384332"/>
+              <a:gd name="connsiteX24" fmla="*/ 4267200 w 4677103"/>
+              <a:gd name="connsiteY24" fmla="*/ 388883 h 3384332"/>
+              <a:gd name="connsiteX25" fmla="*/ 4382814 w 4677103"/>
+              <a:gd name="connsiteY25" fmla="*/ 472966 h 3384332"/>
+              <a:gd name="connsiteX26" fmla="*/ 4403834 w 4677103"/>
+              <a:gd name="connsiteY26" fmla="*/ 504497 h 3384332"/>
+              <a:gd name="connsiteX27" fmla="*/ 4477407 w 4677103"/>
+              <a:gd name="connsiteY27" fmla="*/ 567559 h 3384332"/>
+              <a:gd name="connsiteX28" fmla="*/ 4508938 w 4677103"/>
+              <a:gd name="connsiteY28" fmla="*/ 599090 h 3384332"/>
+              <a:gd name="connsiteX29" fmla="*/ 4561490 w 4677103"/>
+              <a:gd name="connsiteY29" fmla="*/ 683173 h 3384332"/>
+              <a:gd name="connsiteX30" fmla="*/ 4572000 w 4677103"/>
+              <a:gd name="connsiteY30" fmla="*/ 714704 h 3384332"/>
+              <a:gd name="connsiteX31" fmla="*/ 4593021 w 4677103"/>
+              <a:gd name="connsiteY31" fmla="*/ 767256 h 3384332"/>
+              <a:gd name="connsiteX32" fmla="*/ 4603531 w 4677103"/>
+              <a:gd name="connsiteY32" fmla="*/ 809297 h 3384332"/>
+              <a:gd name="connsiteX33" fmla="*/ 4614041 w 4677103"/>
+              <a:gd name="connsiteY33" fmla="*/ 840828 h 3384332"/>
+              <a:gd name="connsiteX34" fmla="*/ 4656083 w 4677103"/>
+              <a:gd name="connsiteY34" fmla="*/ 1040525 h 3384332"/>
+              <a:gd name="connsiteX35" fmla="*/ 4677103 w 4677103"/>
+              <a:gd name="connsiteY35" fmla="*/ 1082566 h 3384332"/>
+              <a:gd name="connsiteX36" fmla="*/ 4666593 w 4677103"/>
+              <a:gd name="connsiteY36" fmla="*/ 1492469 h 3384332"/>
+              <a:gd name="connsiteX37" fmla="*/ 4645572 w 4677103"/>
+              <a:gd name="connsiteY37" fmla="*/ 1797269 h 3384332"/>
+              <a:gd name="connsiteX38" fmla="*/ 4635062 w 4677103"/>
+              <a:gd name="connsiteY38" fmla="*/ 1881352 h 3384332"/>
+              <a:gd name="connsiteX39" fmla="*/ 4614041 w 4677103"/>
+              <a:gd name="connsiteY39" fmla="*/ 2312276 h 3384332"/>
+              <a:gd name="connsiteX40" fmla="*/ 4593021 w 4677103"/>
+              <a:gd name="connsiteY40" fmla="*/ 2448911 h 3384332"/>
+              <a:gd name="connsiteX41" fmla="*/ 4561490 w 4677103"/>
+              <a:gd name="connsiteY41" fmla="*/ 2659118 h 3384332"/>
+              <a:gd name="connsiteX42" fmla="*/ 4550979 w 4677103"/>
+              <a:gd name="connsiteY42" fmla="*/ 2753711 h 3384332"/>
+              <a:gd name="connsiteX43" fmla="*/ 4529958 w 4677103"/>
+              <a:gd name="connsiteY43" fmla="*/ 2795752 h 3384332"/>
+              <a:gd name="connsiteX44" fmla="*/ 4498427 w 4677103"/>
+              <a:gd name="connsiteY44" fmla="*/ 2848304 h 3384332"/>
+              <a:gd name="connsiteX45" fmla="*/ 4351283 w 4677103"/>
+              <a:gd name="connsiteY45" fmla="*/ 2942897 h 3384332"/>
+              <a:gd name="connsiteX46" fmla="*/ 4277710 w 4677103"/>
+              <a:gd name="connsiteY46" fmla="*/ 2984938 h 3384332"/>
+              <a:gd name="connsiteX47" fmla="*/ 4067503 w 4677103"/>
+              <a:gd name="connsiteY47" fmla="*/ 3079532 h 3384332"/>
+              <a:gd name="connsiteX48" fmla="*/ 3888827 w 4677103"/>
+              <a:gd name="connsiteY48" fmla="*/ 3174125 h 3384332"/>
+              <a:gd name="connsiteX49" fmla="*/ 3552496 w 4677103"/>
+              <a:gd name="connsiteY49" fmla="*/ 3300249 h 3384332"/>
+              <a:gd name="connsiteX50" fmla="*/ 3468414 w 4677103"/>
+              <a:gd name="connsiteY50" fmla="*/ 3310759 h 3384332"/>
+              <a:gd name="connsiteX51" fmla="*/ 3331779 w 4677103"/>
+              <a:gd name="connsiteY51" fmla="*/ 3342290 h 3384332"/>
+              <a:gd name="connsiteX52" fmla="*/ 3121572 w 4677103"/>
+              <a:gd name="connsiteY52" fmla="*/ 3363311 h 3384332"/>
+              <a:gd name="connsiteX53" fmla="*/ 2690648 w 4677103"/>
+              <a:gd name="connsiteY53" fmla="*/ 3384332 h 3384332"/>
+              <a:gd name="connsiteX54" fmla="*/ 2511972 w 4677103"/>
+              <a:gd name="connsiteY54" fmla="*/ 3373821 h 3384332"/>
+              <a:gd name="connsiteX55" fmla="*/ 1954924 w 4677103"/>
+              <a:gd name="connsiteY55" fmla="*/ 3247697 h 3384332"/>
+              <a:gd name="connsiteX56" fmla="*/ 1881352 w 4677103"/>
+              <a:gd name="connsiteY56" fmla="*/ 3237187 h 3384332"/>
+              <a:gd name="connsiteX57" fmla="*/ 1755227 w 4677103"/>
+              <a:gd name="connsiteY57" fmla="*/ 3205656 h 3384332"/>
+              <a:gd name="connsiteX58" fmla="*/ 1513490 w 4677103"/>
+              <a:gd name="connsiteY58" fmla="*/ 3153104 h 3384332"/>
+              <a:gd name="connsiteX59" fmla="*/ 1429407 w 4677103"/>
+              <a:gd name="connsiteY59" fmla="*/ 3132083 h 3384332"/>
+              <a:gd name="connsiteX60" fmla="*/ 1271752 w 4677103"/>
+              <a:gd name="connsiteY60" fmla="*/ 3069021 h 3384332"/>
+              <a:gd name="connsiteX61" fmla="*/ 1124607 w 4677103"/>
+              <a:gd name="connsiteY61" fmla="*/ 3037490 h 3384332"/>
+              <a:gd name="connsiteX62" fmla="*/ 935421 w 4677103"/>
+              <a:gd name="connsiteY62" fmla="*/ 2953407 h 3384332"/>
+              <a:gd name="connsiteX63" fmla="*/ 620110 w 4677103"/>
+              <a:gd name="connsiteY63" fmla="*/ 2774732 h 3384332"/>
+              <a:gd name="connsiteX64" fmla="*/ 504496 w 4677103"/>
+              <a:gd name="connsiteY64" fmla="*/ 2680138 h 3384332"/>
+              <a:gd name="connsiteX65" fmla="*/ 367862 w 4677103"/>
+              <a:gd name="connsiteY65" fmla="*/ 2585545 h 3384332"/>
+              <a:gd name="connsiteX66" fmla="*/ 252248 w 4677103"/>
+              <a:gd name="connsiteY66" fmla="*/ 2459421 h 3384332"/>
+              <a:gd name="connsiteX67" fmla="*/ 126124 w 4677103"/>
+              <a:gd name="connsiteY67" fmla="*/ 2259725 h 3384332"/>
+              <a:gd name="connsiteX68" fmla="*/ 31531 w 4677103"/>
+              <a:gd name="connsiteY68" fmla="*/ 2017987 h 3384332"/>
+              <a:gd name="connsiteX69" fmla="*/ 0 w 4677103"/>
+              <a:gd name="connsiteY69" fmla="*/ 1860332 h 3384332"/>
+              <a:gd name="connsiteX70" fmla="*/ 10510 w 4677103"/>
+              <a:gd name="connsiteY70" fmla="*/ 1702676 h 3384332"/>
+              <a:gd name="connsiteX71" fmla="*/ 42041 w 4677103"/>
+              <a:gd name="connsiteY71" fmla="*/ 1576552 h 3384332"/>
+              <a:gd name="connsiteX72" fmla="*/ 52552 w 4677103"/>
+              <a:gd name="connsiteY72" fmla="*/ 1534511 h 3384332"/>
+              <a:gd name="connsiteX73" fmla="*/ 63062 w 4677103"/>
+              <a:gd name="connsiteY73" fmla="*/ 1481959 h 3384332"/>
+            </a:gdLst>
+            <a:ahLst/>
+            <a:cxnLst>
+              <a:cxn ang="0">
+                <a:pos x="connsiteX0" y="connsiteY0"/>
+              </a:cxn>
+              <a:cxn ang="0">
+                <a:pos x="connsiteX1" y="connsiteY1"/>
+              </a:cxn>
+              <a:cxn ang="0">
+                <a:pos x="connsiteX2" y="connsiteY2"/>
+              </a:cxn>
+              <a:cxn ang="0">
+                <a:pos x="connsiteX3" y="connsiteY3"/>
+              </a:cxn>
+              <a:cxn ang="0">
+                <a:pos x="connsiteX4" y="connsiteY4"/>
+              </a:cxn>
+              <a:cxn ang="0">
+                <a:pos x="connsiteX5" y="connsiteY5"/>
+              </a:cxn>
+              <a:cxn ang="0">
+                <a:pos x="connsiteX6" y="connsiteY6"/>
+              </a:cxn>
+              <a:cxn ang="0">
+                <a:pos x="connsiteX7" y="connsiteY7"/>
+              </a:cxn>
+              <a:cxn ang="0">
+                <a:pos x="connsiteX8" y="connsiteY8"/>
+              </a:cxn>
+              <a:cxn ang="0">
+                <a:pos x="connsiteX9" y="connsiteY9"/>
+              </a:cxn>
+              <a:cxn ang="0">
+                <a:pos x="connsiteX10" y="connsiteY10"/>
+              </a:cxn>
+              <a:cxn ang="0">
+                <a:pos x="connsiteX11" y="connsiteY11"/>
+              </a:cxn>
+              <a:cxn ang="0">
+                <a:pos x="connsiteX12" y="connsiteY12"/>
+              </a:cxn>
+              <a:cxn ang="0">
+                <a:pos x="connsiteX13" y="connsiteY13"/>
+              </a:cxn>
+              <a:cxn ang="0">
+                <a:pos x="connsiteX14" y="connsiteY14"/>
+              </a:cxn>
+              <a:cxn ang="0">
+                <a:pos x="connsiteX15" y="connsiteY15"/>
+              </a:cxn>
+              <a:cxn ang="0">
+                <a:pos x="connsiteX16" y="connsiteY16"/>
+              </a:cxn>
+              <a:cxn ang="0">
+                <a:pos x="connsiteX17" y="connsiteY17"/>
+              </a:cxn>
+              <a:cxn ang="0">
+                <a:pos x="connsiteX18" y="connsiteY18"/>
+              </a:cxn>
+              <a:cxn ang="0">
+                <a:pos x="connsiteX19" y="connsiteY19"/>
+              </a:cxn>
+              <a:cxn ang="0">
+                <a:pos x="connsiteX20" y="connsiteY20"/>
+              </a:cxn>
+              <a:cxn ang="0">
+                <a:pos x="connsiteX21" y="connsiteY21"/>
+              </a:cxn>
+              <a:cxn ang="0">
+                <a:pos x="connsiteX22" y="connsiteY22"/>
+              </a:cxn>
+              <a:cxn ang="0">
+                <a:pos x="connsiteX23" y="connsiteY23"/>
+              </a:cxn>
+              <a:cxn ang="0">
+                <a:pos x="connsiteX24" y="connsiteY24"/>
+              </a:cxn>
+              <a:cxn ang="0">
+                <a:pos x="connsiteX25" y="connsiteY25"/>
+              </a:cxn>
+              <a:cxn ang="0">
+                <a:pos x="connsiteX26" y="connsiteY26"/>
+              </a:cxn>
+              <a:cxn ang="0">
+                <a:pos x="connsiteX27" y="connsiteY27"/>
+              </a:cxn>
+              <a:cxn ang="0">
+                <a:pos x="connsiteX28" y="connsiteY28"/>
+              </a:cxn>
+              <a:cxn ang="0">
+                <a:pos x="connsiteX29" y="connsiteY29"/>
+              </a:cxn>
+              <a:cxn ang="0">
+                <a:pos x="connsiteX30" y="connsiteY30"/>
+              </a:cxn>
+              <a:cxn ang="0">
+                <a:pos x="connsiteX31" y="connsiteY31"/>
+              </a:cxn>
+              <a:cxn ang="0">
+                <a:pos x="connsiteX32" y="connsiteY32"/>
+              </a:cxn>
+              <a:cxn ang="0">
+                <a:pos x="connsiteX33" y="connsiteY33"/>
+              </a:cxn>
+              <a:cxn ang="0">
+                <a:pos x="connsiteX34" y="connsiteY34"/>
+              </a:cxn>
+              <a:cxn ang="0">
+                <a:pos x="connsiteX35" y="connsiteY35"/>
+              </a:cxn>
+              <a:cxn ang="0">
+                <a:pos x="connsiteX36" y="connsiteY36"/>
+              </a:cxn>
+              <a:cxn ang="0">
+                <a:pos x="connsiteX37" y="connsiteY37"/>
+              </a:cxn>
+              <a:cxn ang="0">
+                <a:pos x="connsiteX38" y="connsiteY38"/>
+              </a:cxn>
+              <a:cxn ang="0">
+                <a:pos x="connsiteX39" y="connsiteY39"/>
+              </a:cxn>
+              <a:cxn ang="0">
+                <a:pos x="connsiteX40" y="connsiteY40"/>
+              </a:cxn>
+              <a:cxn ang="0">
+                <a:pos x="connsiteX41" y="connsiteY41"/>
+              </a:cxn>
+              <a:cxn ang="0">
+                <a:pos x="connsiteX42" y="connsiteY42"/>
+              </a:cxn>
+              <a:cxn ang="0">
+                <a:pos x="connsiteX43" y="connsiteY43"/>
+              </a:cxn>
+              <a:cxn ang="0">
+                <a:pos x="connsiteX44" y="connsiteY44"/>
+              </a:cxn>
+              <a:cxn ang="0">
+                <a:pos x="connsiteX45" y="connsiteY45"/>
+              </a:cxn>
+              <a:cxn ang="0">
+                <a:pos x="connsiteX46" y="connsiteY46"/>
+              </a:cxn>
+              <a:cxn ang="0">
+                <a:pos x="connsiteX47" y="connsiteY47"/>
+              </a:cxn>
+              <a:cxn ang="0">
+                <a:pos x="connsiteX48" y="connsiteY48"/>
+              </a:cxn>
+              <a:cxn ang="0">
+                <a:pos x="connsiteX49" y="connsiteY49"/>
+              </a:cxn>
+              <a:cxn ang="0">
+                <a:pos x="connsiteX50" y="connsiteY50"/>
+              </a:cxn>
+              <a:cxn ang="0">
+                <a:pos x="connsiteX51" y="connsiteY51"/>
+              </a:cxn>
+              <a:cxn ang="0">
+                <a:pos x="connsiteX52" y="connsiteY52"/>
+              </a:cxn>
+              <a:cxn ang="0">
+                <a:pos x="connsiteX53" y="connsiteY53"/>
+              </a:cxn>
+              <a:cxn ang="0">
+                <a:pos x="connsiteX54" y="connsiteY54"/>
+              </a:cxn>
+              <a:cxn ang="0">
+                <a:pos x="connsiteX55" y="connsiteY55"/>
+              </a:cxn>
+              <a:cxn ang="0">
+                <a:pos x="connsiteX56" y="connsiteY56"/>
+              </a:cxn>
+              <a:cxn ang="0">
+                <a:pos x="connsiteX57" y="connsiteY57"/>
+              </a:cxn>
+              <a:cxn ang="0">
+                <a:pos x="connsiteX58" y="connsiteY58"/>
+              </a:cxn>
+              <a:cxn ang="0">
+                <a:pos x="connsiteX59" y="connsiteY59"/>
+              </a:cxn>
+              <a:cxn ang="0">
+                <a:pos x="connsiteX60" y="connsiteY60"/>
+              </a:cxn>
+              <a:cxn ang="0">
+                <a:pos x="connsiteX61" y="connsiteY61"/>
+              </a:cxn>
+              <a:cxn ang="0">
+                <a:pos x="connsiteX62" y="connsiteY62"/>
+              </a:cxn>
+              <a:cxn ang="0">
+                <a:pos x="connsiteX63" y="connsiteY63"/>
+              </a:cxn>
+              <a:cxn ang="0">
+                <a:pos x="connsiteX64" y="connsiteY64"/>
+              </a:cxn>
+              <a:cxn ang="0">
+                <a:pos x="connsiteX65" y="connsiteY65"/>
+              </a:cxn>
+              <a:cxn ang="0">
+                <a:pos x="connsiteX66" y="connsiteY66"/>
+              </a:cxn>
+              <a:cxn ang="0">
+                <a:pos x="connsiteX67" y="connsiteY67"/>
+              </a:cxn>
+              <a:cxn ang="0">
+                <a:pos x="connsiteX68" y="connsiteY68"/>
+              </a:cxn>
+              <a:cxn ang="0">
+                <a:pos x="connsiteX69" y="connsiteY69"/>
+              </a:cxn>
+              <a:cxn ang="0">
+                <a:pos x="connsiteX70" y="connsiteY70"/>
+              </a:cxn>
+              <a:cxn ang="0">
+                <a:pos x="connsiteX71" y="connsiteY71"/>
+              </a:cxn>
+              <a:cxn ang="0">
+                <a:pos x="connsiteX72" y="connsiteY72"/>
+              </a:cxn>
+              <a:cxn ang="0">
+                <a:pos x="connsiteX73" y="connsiteY73"/>
+              </a:cxn>
+            </a:cxnLst>
+            <a:rect l="l" t="t" r="r" b="b"/>
+            <a:pathLst>
+              <a:path w="4677103" h="3384332">
+                <a:moveTo>
+                  <a:pt x="63062" y="1481959"/>
+                </a:moveTo>
+                <a:cubicBezTo>
+                  <a:pt x="70069" y="1464442"/>
+                  <a:pt x="86140" y="1448004"/>
+                  <a:pt x="94593" y="1429407"/>
+                </a:cubicBezTo>
+                <a:cubicBezTo>
+                  <a:pt x="151924" y="1303279"/>
+                  <a:pt x="75075" y="1429407"/>
+                  <a:pt x="147145" y="1303283"/>
+                </a:cubicBezTo>
+                <a:cubicBezTo>
+                  <a:pt x="163543" y="1274586"/>
+                  <a:pt x="183298" y="1247897"/>
+                  <a:pt x="199696" y="1219200"/>
+                </a:cubicBezTo>
+                <a:cubicBezTo>
+                  <a:pt x="218847" y="1185686"/>
+                  <a:pt x="262514" y="1088921"/>
+                  <a:pt x="273269" y="1061545"/>
+                </a:cubicBezTo>
+                <a:cubicBezTo>
+                  <a:pt x="299208" y="995518"/>
+                  <a:pt x="346841" y="861849"/>
+                  <a:pt x="346841" y="861849"/>
+                </a:cubicBezTo>
+                <a:cubicBezTo>
+                  <a:pt x="383530" y="605036"/>
+                  <a:pt x="328907" y="956051"/>
+                  <a:pt x="378372" y="725214"/>
+                </a:cubicBezTo>
+                <a:cubicBezTo>
+                  <a:pt x="389795" y="671907"/>
+                  <a:pt x="381392" y="626538"/>
+                  <a:pt x="409903" y="578069"/>
+                </a:cubicBezTo>
+                <a:cubicBezTo>
+                  <a:pt x="443556" y="520859"/>
+                  <a:pt x="502660" y="444717"/>
+                  <a:pt x="557048" y="399394"/>
+                </a:cubicBezTo>
+                <a:cubicBezTo>
+                  <a:pt x="597419" y="365751"/>
+                  <a:pt x="640569" y="335569"/>
+                  <a:pt x="683172" y="304800"/>
+                </a:cubicBezTo>
+                <a:cubicBezTo>
+                  <a:pt x="739201" y="264334"/>
+                  <a:pt x="764700" y="250544"/>
+                  <a:pt x="830317" y="220718"/>
+                </a:cubicBezTo>
+                <a:cubicBezTo>
+                  <a:pt x="878897" y="198636"/>
+                  <a:pt x="927497" y="176393"/>
+                  <a:pt x="977462" y="157656"/>
+                </a:cubicBezTo>
+                <a:cubicBezTo>
+                  <a:pt x="1067717" y="123810"/>
+                  <a:pt x="1155307" y="76695"/>
+                  <a:pt x="1250731" y="63063"/>
+                </a:cubicBezTo>
+                <a:cubicBezTo>
+                  <a:pt x="1299779" y="56056"/>
+                  <a:pt x="1348553" y="46740"/>
+                  <a:pt x="1397876" y="42042"/>
+                </a:cubicBezTo>
+                <a:cubicBezTo>
+                  <a:pt x="1569340" y="25712"/>
+                  <a:pt x="1912883" y="0"/>
+                  <a:pt x="1912883" y="0"/>
+                </a:cubicBezTo>
+                <a:lnTo>
+                  <a:pt x="2564524" y="10511"/>
+                </a:lnTo>
+                <a:cubicBezTo>
+                  <a:pt x="2746894" y="16910"/>
+                  <a:pt x="2929012" y="29487"/>
+                  <a:pt x="3111062" y="42042"/>
+                </a:cubicBezTo>
+                <a:cubicBezTo>
+                  <a:pt x="3475689" y="67189"/>
+                  <a:pt x="3314718" y="51164"/>
+                  <a:pt x="3594538" y="84083"/>
+                </a:cubicBezTo>
+                <a:cubicBezTo>
+                  <a:pt x="3756122" y="137945"/>
+                  <a:pt x="3575124" y="70226"/>
+                  <a:pt x="3699641" y="136635"/>
+                </a:cubicBezTo>
+                <a:cubicBezTo>
+                  <a:pt x="3736993" y="156556"/>
+                  <a:pt x="3777392" y="170255"/>
+                  <a:pt x="3815255" y="189187"/>
+                </a:cubicBezTo>
+                <a:cubicBezTo>
+                  <a:pt x="3826553" y="194836"/>
+                  <a:pt x="3835488" y="204558"/>
+                  <a:pt x="3846786" y="210207"/>
+                </a:cubicBezTo>
+                <a:cubicBezTo>
+                  <a:pt x="3856695" y="215162"/>
+                  <a:pt x="3868408" y="215763"/>
+                  <a:pt x="3878317" y="220718"/>
+                </a:cubicBezTo>
+                <a:cubicBezTo>
+                  <a:pt x="4007902" y="285511"/>
+                  <a:pt x="3893626" y="244468"/>
+                  <a:pt x="4035972" y="294290"/>
+                </a:cubicBezTo>
+                <a:cubicBezTo>
+                  <a:pt x="4077800" y="308930"/>
+                  <a:pt x="4121080" y="319553"/>
+                  <a:pt x="4162096" y="336332"/>
+                </a:cubicBezTo>
+                <a:cubicBezTo>
+                  <a:pt x="4198350" y="351163"/>
+                  <a:pt x="4267200" y="388883"/>
+                  <a:pt x="4267200" y="388883"/>
+                </a:cubicBezTo>
+                <a:cubicBezTo>
+                  <a:pt x="4426205" y="547888"/>
+                  <a:pt x="4212370" y="345132"/>
+                  <a:pt x="4382814" y="472966"/>
+                </a:cubicBezTo>
+                <a:cubicBezTo>
+                  <a:pt x="4392919" y="480545"/>
+                  <a:pt x="4395747" y="494793"/>
+                  <a:pt x="4403834" y="504497"/>
+                </a:cubicBezTo>
+                <a:cubicBezTo>
+                  <a:pt x="4436433" y="543617"/>
+                  <a:pt x="4436813" y="532764"/>
+                  <a:pt x="4477407" y="567559"/>
+                </a:cubicBezTo>
+                <a:cubicBezTo>
+                  <a:pt x="4488693" y="577232"/>
+                  <a:pt x="4498428" y="588580"/>
+                  <a:pt x="4508938" y="599090"/>
+                </a:cubicBezTo>
+                <a:cubicBezTo>
+                  <a:pt x="4532587" y="670038"/>
+                  <a:pt x="4500287" y="585248"/>
+                  <a:pt x="4561490" y="683173"/>
+                </a:cubicBezTo>
+                <a:cubicBezTo>
+                  <a:pt x="4567362" y="692568"/>
+                  <a:pt x="4568110" y="704331"/>
+                  <a:pt x="4572000" y="714704"/>
+                </a:cubicBezTo>
+                <a:cubicBezTo>
+                  <a:pt x="4578625" y="732370"/>
+                  <a:pt x="4587055" y="749357"/>
+                  <a:pt x="4593021" y="767256"/>
+                </a:cubicBezTo>
+                <a:cubicBezTo>
+                  <a:pt x="4597589" y="780960"/>
+                  <a:pt x="4599563" y="795408"/>
+                  <a:pt x="4603531" y="809297"/>
+                </a:cubicBezTo>
+                <a:cubicBezTo>
+                  <a:pt x="4606575" y="819950"/>
+                  <a:pt x="4610538" y="830318"/>
+                  <a:pt x="4614041" y="840828"/>
+                </a:cubicBezTo>
+                <a:cubicBezTo>
+                  <a:pt x="4626163" y="925674"/>
+                  <a:pt x="4626448" y="945690"/>
+                  <a:pt x="4656083" y="1040525"/>
+                </a:cubicBezTo>
+                <a:cubicBezTo>
+                  <a:pt x="4660756" y="1055480"/>
+                  <a:pt x="4670096" y="1068552"/>
+                  <a:pt x="4677103" y="1082566"/>
+                </a:cubicBezTo>
+                <a:cubicBezTo>
+                  <a:pt x="4673600" y="1219200"/>
+                  <a:pt x="4670862" y="1355856"/>
+                  <a:pt x="4666593" y="1492469"/>
+                </a:cubicBezTo>
+                <a:cubicBezTo>
+                  <a:pt x="4658277" y="1758575"/>
+                  <a:pt x="4676887" y="1672016"/>
+                  <a:pt x="4645572" y="1797269"/>
+                </a:cubicBezTo>
+                <a:cubicBezTo>
+                  <a:pt x="4642069" y="1825297"/>
+                  <a:pt x="4636673" y="1853152"/>
+                  <a:pt x="4635062" y="1881352"/>
+                </a:cubicBezTo>
+                <a:cubicBezTo>
+                  <a:pt x="4622603" y="2099395"/>
+                  <a:pt x="4631364" y="2130391"/>
+                  <a:pt x="4614041" y="2312276"/>
+                </a:cubicBezTo>
+                <a:cubicBezTo>
+                  <a:pt x="4610231" y="2352279"/>
+                  <a:pt x="4599248" y="2408438"/>
+                  <a:pt x="4593021" y="2448911"/>
+                </a:cubicBezTo>
+                <a:cubicBezTo>
+                  <a:pt x="4582247" y="2518940"/>
+                  <a:pt x="4571171" y="2588930"/>
+                  <a:pt x="4561490" y="2659118"/>
+                </a:cubicBezTo>
+                <a:cubicBezTo>
+                  <a:pt x="4557155" y="2690546"/>
+                  <a:pt x="4558113" y="2722798"/>
+                  <a:pt x="4550979" y="2753711"/>
+                </a:cubicBezTo>
+                <a:cubicBezTo>
+                  <a:pt x="4547456" y="2768978"/>
+                  <a:pt x="4537567" y="2782056"/>
+                  <a:pt x="4529958" y="2795752"/>
+                </a:cubicBezTo>
+                <a:cubicBezTo>
+                  <a:pt x="4520037" y="2813610"/>
+                  <a:pt x="4510684" y="2831961"/>
+                  <a:pt x="4498427" y="2848304"/>
+                </a:cubicBezTo>
+                <a:cubicBezTo>
+                  <a:pt x="4462543" y="2896150"/>
+                  <a:pt x="4401672" y="2915765"/>
+                  <a:pt x="4351283" y="2942897"/>
+                </a:cubicBezTo>
+                <a:cubicBezTo>
+                  <a:pt x="4326413" y="2956288"/>
+                  <a:pt x="4303160" y="2972685"/>
+                  <a:pt x="4277710" y="2984938"/>
+                </a:cubicBezTo>
+                <a:cubicBezTo>
+                  <a:pt x="4208480" y="3018271"/>
+                  <a:pt x="4135410" y="3043581"/>
+                  <a:pt x="4067503" y="3079532"/>
+                </a:cubicBezTo>
+                <a:lnTo>
+                  <a:pt x="3888827" y="3174125"/>
+                </a:lnTo>
+                <a:cubicBezTo>
+                  <a:pt x="3787886" y="3226790"/>
+                  <a:pt x="3649718" y="3288097"/>
+                  <a:pt x="3552496" y="3300249"/>
+                </a:cubicBezTo>
+                <a:cubicBezTo>
+                  <a:pt x="3524469" y="3303752"/>
+                  <a:pt x="3496161" y="3305474"/>
+                  <a:pt x="3468414" y="3310759"/>
+                </a:cubicBezTo>
+                <a:cubicBezTo>
+                  <a:pt x="3422498" y="3319505"/>
+                  <a:pt x="3377994" y="3335288"/>
+                  <a:pt x="3331779" y="3342290"/>
+                </a:cubicBezTo>
+                <a:cubicBezTo>
+                  <a:pt x="3262155" y="3352839"/>
+                  <a:pt x="3191760" y="3357620"/>
+                  <a:pt x="3121572" y="3363311"/>
+                </a:cubicBezTo>
+                <a:cubicBezTo>
+                  <a:pt x="3007249" y="3372580"/>
+                  <a:pt x="2793232" y="3380057"/>
+                  <a:pt x="2690648" y="3384332"/>
+                </a:cubicBezTo>
+                <a:cubicBezTo>
+                  <a:pt x="2631089" y="3380828"/>
+                  <a:pt x="2570878" y="3383288"/>
+                  <a:pt x="2511972" y="3373821"/>
+                </a:cubicBezTo>
+                <a:cubicBezTo>
+                  <a:pt x="1842774" y="3266270"/>
+                  <a:pt x="2312737" y="3332889"/>
+                  <a:pt x="1954924" y="3247697"/>
+                </a:cubicBezTo>
+                <a:cubicBezTo>
+                  <a:pt x="1930825" y="3241959"/>
+                  <a:pt x="1905594" y="3242290"/>
+                  <a:pt x="1881352" y="3237187"/>
+                </a:cubicBezTo>
+                <a:cubicBezTo>
+                  <a:pt x="1838946" y="3228260"/>
+                  <a:pt x="1797473" y="3215312"/>
+                  <a:pt x="1755227" y="3205656"/>
+                </a:cubicBezTo>
+                <a:cubicBezTo>
+                  <a:pt x="1674839" y="3187282"/>
+                  <a:pt x="1593926" y="3171267"/>
+                  <a:pt x="1513490" y="3153104"/>
+                </a:cubicBezTo>
+                <a:cubicBezTo>
+                  <a:pt x="1485309" y="3146741"/>
+                  <a:pt x="1456694" y="3141574"/>
+                  <a:pt x="1429407" y="3132083"/>
+                </a:cubicBezTo>
+                <a:cubicBezTo>
+                  <a:pt x="1375949" y="3113489"/>
+                  <a:pt x="1325809" y="3085797"/>
+                  <a:pt x="1271752" y="3069021"/>
+                </a:cubicBezTo>
+                <a:cubicBezTo>
+                  <a:pt x="1223844" y="3054153"/>
+                  <a:pt x="1172044" y="3053797"/>
+                  <a:pt x="1124607" y="3037490"/>
+                </a:cubicBezTo>
+                <a:cubicBezTo>
+                  <a:pt x="1059345" y="3015056"/>
+                  <a:pt x="998155" y="2982160"/>
+                  <a:pt x="935421" y="2953407"/>
+                </a:cubicBezTo>
+                <a:cubicBezTo>
+                  <a:pt x="845618" y="2912247"/>
+                  <a:pt x="642796" y="2793293"/>
+                  <a:pt x="620110" y="2774732"/>
+                </a:cubicBezTo>
+                <a:cubicBezTo>
+                  <a:pt x="581572" y="2743201"/>
+                  <a:pt x="544331" y="2710014"/>
+                  <a:pt x="504496" y="2680138"/>
+                </a:cubicBezTo>
+                <a:cubicBezTo>
+                  <a:pt x="460181" y="2646901"/>
+                  <a:pt x="411865" y="2619194"/>
+                  <a:pt x="367862" y="2585545"/>
+                </a:cubicBezTo>
+                <a:cubicBezTo>
+                  <a:pt x="343537" y="2566944"/>
+                  <a:pt x="256093" y="2464884"/>
+                  <a:pt x="252248" y="2459421"/>
+                </a:cubicBezTo>
+                <a:cubicBezTo>
+                  <a:pt x="206939" y="2395035"/>
+                  <a:pt x="154813" y="2333042"/>
+                  <a:pt x="126124" y="2259725"/>
+                </a:cubicBezTo>
+                <a:cubicBezTo>
+                  <a:pt x="94593" y="2179146"/>
+                  <a:pt x="50302" y="2102455"/>
+                  <a:pt x="31531" y="2017987"/>
+                </a:cubicBezTo>
+                <a:cubicBezTo>
+                  <a:pt x="5887" y="1902591"/>
+                  <a:pt x="15820" y="1955255"/>
+                  <a:pt x="0" y="1860332"/>
+                </a:cubicBezTo>
+                <a:cubicBezTo>
+                  <a:pt x="3503" y="1807780"/>
+                  <a:pt x="2792" y="1754776"/>
+                  <a:pt x="10510" y="1702676"/>
+                </a:cubicBezTo>
+                <a:cubicBezTo>
+                  <a:pt x="16861" y="1659809"/>
+                  <a:pt x="31530" y="1618593"/>
+                  <a:pt x="42041" y="1576552"/>
+                </a:cubicBezTo>
+                <a:cubicBezTo>
+                  <a:pt x="45544" y="1562538"/>
+                  <a:pt x="44540" y="1546530"/>
+                  <a:pt x="52552" y="1534511"/>
+                </a:cubicBezTo>
+                <a:cubicBezTo>
+                  <a:pt x="81585" y="1490961"/>
+                  <a:pt x="56055" y="1499476"/>
+                  <a:pt x="63062" y="1481959"/>
+                </a:cubicBezTo>
+                <a:close/>
+              </a:path>
+            </a:pathLst>
+          </a:custGeom>
+          <a:noFill/>
+          <a:ln w="28575">
+            <a:solidFill>
+              <a:schemeClr val="accent6"/>
+            </a:solidFill>
+          </a:ln>
+        </p:spPr>
+        <p:style>
+          <a:lnRef idx="2">
+            <a:schemeClr val="accent1">
+              <a:shade val="50000"/>
+            </a:schemeClr>
+          </a:lnRef>
+          <a:fillRef idx="1">
+            <a:schemeClr val="accent1"/>
+          </a:fillRef>
+          <a:effectRef idx="0">
+            <a:schemeClr val="accent1"/>
+          </a:effectRef>
+          <a:fontRef idx="minor">
+            <a:schemeClr val="lt1"/>
+          </a:fontRef>
+        </p:style>
+        <p:txBody>
+          <a:bodyPr rtlCol="0" anchor="ctr"/>
+          <a:lstStyle/>
+          <a:p>
+            <a:pPr algn="ctr"/>
+            <a:endParaRPr lang="en-US"/>
+          </a:p>
+        </p:txBody>
+      </p:sp>
+      <p:sp>
+        <p:nvSpPr>
+          <p:cNvPr id="3" name="TextBox 2">
+            <a:extLst>
+              <a:ext uri="{FF2B5EF4-FFF2-40B4-BE49-F238E27FC236}">
+                <a16:creationId xmlns:a16="http://schemas.microsoft.com/office/drawing/2014/main" id="{46568107-2F15-4060-85B6-EB3F6F829E80}"/>
+              </a:ext>
+            </a:extLst>
+          </p:cNvPr>
+          <p:cNvSpPr txBox="1"/>
+          <p:nvPr/>
+        </p:nvSpPr>
+        <p:spPr>
+          <a:xfrm>
+            <a:off x="7430904" y="983006"/>
+            <a:ext cx="1664558" cy="369332"/>
+          </a:xfrm>
+          <a:prstGeom prst="rect">
+            <a:avLst/>
+          </a:prstGeom>
+          <a:noFill/>
+        </p:spPr>
+        <p:txBody>
+          <a:bodyPr wrap="none" rtlCol="0">
+            <a:spAutoFit/>
+          </a:bodyPr>
+          <a:lstStyle/>
+          <a:p>
+            <a:r>
+              <a:rPr lang="en-US" dirty="0"/>
+              <a:t>Azure-managed</a:t>
+            </a:r>
+          </a:p>
+        </p:txBody>
+      </p:sp>
+      <p:sp>
+        <p:nvSpPr>
+          <p:cNvPr id="16" name="TextBox 15">
+            <a:extLst>
+              <a:ext uri="{FF2B5EF4-FFF2-40B4-BE49-F238E27FC236}">
+                <a16:creationId xmlns:a16="http://schemas.microsoft.com/office/drawing/2014/main" id="{392AAAF7-BDAB-4F91-B2A6-4A2C1640918B}"/>
+              </a:ext>
+            </a:extLst>
+          </p:cNvPr>
+          <p:cNvSpPr txBox="1"/>
+          <p:nvPr/>
+        </p:nvSpPr>
+        <p:spPr>
+          <a:xfrm>
+            <a:off x="9030207" y="2143815"/>
+            <a:ext cx="2035814" cy="369332"/>
+          </a:xfrm>
+          <a:prstGeom prst="rect">
+            <a:avLst/>
+          </a:prstGeom>
+          <a:noFill/>
+        </p:spPr>
+        <p:txBody>
+          <a:bodyPr wrap="none" rtlCol="0">
+            <a:spAutoFit/>
+          </a:bodyPr>
+          <a:lstStyle/>
+          <a:p>
+            <a:r>
+              <a:rPr lang="en-US" dirty="0"/>
+              <a:t>Customer-managed</a:t>
+            </a:r>
+          </a:p>
+        </p:txBody>
+      </p:sp>
     </p:spTree>
     <p:extLst>
       <p:ext uri="{BB962C8B-B14F-4D97-AF65-F5344CB8AC3E}">
@@ -17291,6 +18693,168 @@
   <p:clrMapOvr>
     <a:masterClrMapping/>
   </p:clrMapOvr>
+  <p:timing>
+    <p:tnLst>
+      <p:par>
+        <p:cTn id="1" dur="indefinite" restart="never" nodeType="tmRoot">
+          <p:childTnLst>
+            <p:seq concurrent="1" nextAc="seek">
+              <p:cTn id="2" dur="indefinite" nodeType="mainSeq">
+                <p:childTnLst>
+                  <p:par>
+                    <p:cTn id="3" fill="hold">
+                      <p:stCondLst>
+                        <p:cond delay="indefinite"/>
+                      </p:stCondLst>
+                      <p:childTnLst>
+                        <p:par>
+                          <p:cTn id="4" fill="hold">
+                            <p:stCondLst>
+                              <p:cond delay="0"/>
+                            </p:stCondLst>
+                            <p:childTnLst>
+                              <p:par>
+                                <p:cTn id="5" presetID="1" presetClass="entr" presetSubtype="0" fill="hold" grpId="0" nodeType="clickEffect">
+                                  <p:stCondLst>
+                                    <p:cond delay="0"/>
+                                  </p:stCondLst>
+                                  <p:childTnLst>
+                                    <p:set>
+                                      <p:cBhvr>
+                                        <p:cTn id="6" dur="1" fill="hold">
+                                          <p:stCondLst>
+                                            <p:cond delay="0"/>
+                                          </p:stCondLst>
+                                        </p:cTn>
+                                        <p:tgtEl>
+                                          <p:spTgt spid="10"/>
+                                        </p:tgtEl>
+                                        <p:attrNameLst>
+                                          <p:attrName>style.visibility</p:attrName>
+                                        </p:attrNameLst>
+                                      </p:cBhvr>
+                                      <p:to>
+                                        <p:strVal val="visible"/>
+                                      </p:to>
+                                    </p:set>
+                                  </p:childTnLst>
+                                </p:cTn>
+                              </p:par>
+                              <p:par>
+                                <p:cTn id="7" presetID="1" presetClass="entr" presetSubtype="0" fill="hold" grpId="0" nodeType="withEffect">
+                                  <p:stCondLst>
+                                    <p:cond delay="0"/>
+                                  </p:stCondLst>
+                                  <p:childTnLst>
+                                    <p:set>
+                                      <p:cBhvr>
+                                        <p:cTn id="8" dur="1" fill="hold">
+                                          <p:stCondLst>
+                                            <p:cond delay="0"/>
+                                          </p:stCondLst>
+                                        </p:cTn>
+                                        <p:tgtEl>
+                                          <p:spTgt spid="3"/>
+                                        </p:tgtEl>
+                                        <p:attrNameLst>
+                                          <p:attrName>style.visibility</p:attrName>
+                                        </p:attrNameLst>
+                                      </p:cBhvr>
+                                      <p:to>
+                                        <p:strVal val="visible"/>
+                                      </p:to>
+                                    </p:set>
+                                  </p:childTnLst>
+                                </p:cTn>
+                              </p:par>
+                              <p:par>
+                                <p:cTn id="9" presetID="1" presetClass="entr" presetSubtype="0" fill="hold" grpId="0" nodeType="withEffect">
+                                  <p:stCondLst>
+                                    <p:cond delay="0"/>
+                                  </p:stCondLst>
+                                  <p:childTnLst>
+                                    <p:set>
+                                      <p:cBhvr>
+                                        <p:cTn id="10" dur="1" fill="hold">
+                                          <p:stCondLst>
+                                            <p:cond delay="0"/>
+                                          </p:stCondLst>
+                                        </p:cTn>
+                                        <p:tgtEl>
+                                          <p:spTgt spid="15"/>
+                                        </p:tgtEl>
+                                        <p:attrNameLst>
+                                          <p:attrName>style.visibility</p:attrName>
+                                        </p:attrNameLst>
+                                      </p:cBhvr>
+                                      <p:to>
+                                        <p:strVal val="visible"/>
+                                      </p:to>
+                                    </p:set>
+                                  </p:childTnLst>
+                                </p:cTn>
+                              </p:par>
+                              <p:par>
+                                <p:cTn id="11" presetID="1" presetClass="entr" presetSubtype="0" fill="hold" grpId="0" nodeType="withEffect">
+                                  <p:stCondLst>
+                                    <p:cond delay="0"/>
+                                  </p:stCondLst>
+                                  <p:childTnLst>
+                                    <p:set>
+                                      <p:cBhvr>
+                                        <p:cTn id="12" dur="1" fill="hold">
+                                          <p:stCondLst>
+                                            <p:cond delay="0"/>
+                                          </p:stCondLst>
+                                        </p:cTn>
+                                        <p:tgtEl>
+                                          <p:spTgt spid="16"/>
+                                        </p:tgtEl>
+                                        <p:attrNameLst>
+                                          <p:attrName>style.visibility</p:attrName>
+                                        </p:attrNameLst>
+                                      </p:cBhvr>
+                                      <p:to>
+                                        <p:strVal val="visible"/>
+                                      </p:to>
+                                    </p:set>
+                                  </p:childTnLst>
+                                </p:cTn>
+                              </p:par>
+                            </p:childTnLst>
+                          </p:cTn>
+                        </p:par>
+                      </p:childTnLst>
+                    </p:cTn>
+                  </p:par>
+                </p:childTnLst>
+              </p:cTn>
+              <p:prevCondLst>
+                <p:cond evt="onPrev" delay="0">
+                  <p:tgtEl>
+                    <p:sldTgt/>
+                  </p:tgtEl>
+                </p:cond>
+              </p:prevCondLst>
+              <p:nextCondLst>
+                <p:cond evt="onNext" delay="0">
+                  <p:tgtEl>
+                    <p:sldTgt/>
+                  </p:tgtEl>
+                </p:cond>
+              </p:nextCondLst>
+            </p:seq>
+          </p:childTnLst>
+        </p:cTn>
+      </p:par>
+    </p:tnLst>
+    <p:bldLst>
+      <p:bldP spid="10" grpId="0" animBg="1"/>
+      <p:bldP spid="15" grpId="0" animBg="1"/>
+      <p:bldP spid="3" grpId="0"/>
+      <p:bldP spid="16" grpId="0"/>
+    </p:bldLst>
+  </p:timing>
 </p:sld>
 </file>
 
